--- a/CS 405 Project Two Presentation.pptx
+++ b/CS 405 Project Two Presentation.pptx
@@ -154,7 +154,7 @@
       </p15:sldGuideLst>
     </p:ext>
     <p:ext uri="http://customooxmlschemas.google.com/">
-      <go:slidesCustomData xmlns:go="http://customooxmlschemas.google.com/" xmlns:ahyp="http://schemas.microsoft.com/office/drawing/2018/hyperlinkcolor" xmlns:p15="http://schemas.microsoft.com/office/powerpoint/2012/main" xmlns:p14="http://schemas.microsoft.com/office/powerpoint/2010/main" xmlns:com="http://schemas.openxmlformats.org/drawingml/2006/compatibility" xmlns:pvml="urn:schemas-microsoft-com:office:powerpoint" xmlns:v="urn:schemas-microsoft-com:vml" xmlns:o="urn:schemas-microsoft-com:office:office" xmlns:dgm="http://schemas.openxmlformats.org/drawingml/2006/diagram" xmlns:c="http://schemas.openxmlformats.org/drawingml/2006/chart" xmlns:mv="urn:schemas-microsoft-com:mac:vml" xmlns:mc="http://schemas.openxmlformats.org/markup-compatibility/2006" xmlns="" r:id="rId31" roundtripDataSignature="AMtx7mhlYlCtF+airiOZksSy3UV5ad0ghg=="/>
+      <go:slidesCustomData xmlns="" xmlns:mc="http://schemas.openxmlformats.org/markup-compatibility/2006" xmlns:mv="urn:schemas-microsoft-com:mac:vml" xmlns:c="http://schemas.openxmlformats.org/drawingml/2006/chart" xmlns:dgm="http://schemas.openxmlformats.org/drawingml/2006/diagram" xmlns:o="urn:schemas-microsoft-com:office:office" xmlns:v="urn:schemas-microsoft-com:vml" xmlns:pvml="urn:schemas-microsoft-com:office:powerpoint" xmlns:com="http://schemas.openxmlformats.org/drawingml/2006/compatibility" xmlns:p14="http://schemas.microsoft.com/office/powerpoint/2010/main" xmlns:p15="http://schemas.microsoft.com/office/powerpoint/2012/main" xmlns:ahyp="http://schemas.microsoft.com/office/drawing/2018/hyperlinkcolor" xmlns:go="http://customooxmlschemas.google.com/" r:id="rId31" roundtripDataSignature="AMtx7mhlYlCtF+airiOZksSy3UV5ad0ghg=="/>
     </p:ext>
   </p:extLst>
 </p:presentation>
@@ -3981,7 +3981,7 @@
         <a:lstStyle/>
         <a:p>
           <a:r>
-            <a:rPr lang="en-US">
+            <a:rPr lang="en-US" dirty="0">
               <a:latin typeface="Times New Roman" panose="02020603050405020304" pitchFamily="18" charset="0"/>
               <a:cs typeface="Times New Roman" panose="02020603050405020304" pitchFamily="18" charset="0"/>
             </a:rPr>
@@ -5576,11 +5576,18 @@
         <a:lstStyle/>
         <a:p>
           <a:r>
+            <a:rPr lang="en-US" b="1" dirty="0">
+              <a:latin typeface="Times New Roman" panose="02020603050405020304" pitchFamily="18" charset="0"/>
+              <a:cs typeface="Times New Roman" panose="02020603050405020304" pitchFamily="18" charset="0"/>
+            </a:rPr>
+            <a:t>Authentication</a:t>
+          </a:r>
+          <a:r>
             <a:rPr lang="en-US" dirty="0">
               <a:latin typeface="Times New Roman" panose="02020603050405020304" pitchFamily="18" charset="0"/>
               <a:cs typeface="Times New Roman" panose="02020603050405020304" pitchFamily="18" charset="0"/>
             </a:rPr>
-            <a:t>Authentication - The act of confirming one’s identity. </a:t>
+            <a:t>: Verifies the identity of a user</a:t>
           </a:r>
         </a:p>
       </dgm:t>
@@ -5619,7 +5626,7 @@
               <a:latin typeface="Times New Roman" panose="02020603050405020304" pitchFamily="18" charset="0"/>
               <a:cs typeface="Times New Roman" panose="02020603050405020304" pitchFamily="18" charset="0"/>
             </a:rPr>
-            <a:t>Ensure a person is who they claim to be.</a:t>
+            <a:t>Ensure a person is who they claim to be</a:t>
           </a:r>
         </a:p>
       </dgm:t>
@@ -5654,12 +5661,28 @@
         <a:lstStyle/>
         <a:p>
           <a:r>
+            <a:rPr lang="en-US" b="1" dirty="0"/>
+            <a:t>Authorization</a:t>
+          </a:r>
+          <a:r>
+            <a:rPr lang="en-US" dirty="0"/>
+            <a:t>: Determines what a user is </a:t>
+          </a:r>
+          <a:r>
             <a:rPr lang="en-US" dirty="0">
               <a:latin typeface="Times New Roman" panose="02020603050405020304" pitchFamily="18" charset="0"/>
               <a:cs typeface="Times New Roman" panose="02020603050405020304" pitchFamily="18" charset="0"/>
             </a:rPr>
-            <a:t>Authorization - Specifies the access rights and privileges of a user and are an important part of information and computer security. </a:t>
+            <a:t>allowed</a:t>
           </a:r>
+          <a:r>
+            <a:rPr lang="en-US" dirty="0"/>
+            <a:t> to do within a system</a:t>
+          </a:r>
+          <a:endParaRPr lang="en-US" dirty="0">
+            <a:latin typeface="Times New Roman" panose="02020603050405020304" pitchFamily="18" charset="0"/>
+            <a:cs typeface="Times New Roman" panose="02020603050405020304" pitchFamily="18" charset="0"/>
+          </a:endParaRPr>
         </a:p>
       </dgm:t>
     </dgm:pt>
@@ -5693,12 +5716,13 @@
         <a:lstStyle/>
         <a:p>
           <a:r>
-            <a:rPr lang="en-US" dirty="0">
-              <a:latin typeface="Times New Roman" panose="02020603050405020304" pitchFamily="18" charset="0"/>
-              <a:cs typeface="Times New Roman" panose="02020603050405020304" pitchFamily="18" charset="0"/>
-            </a:rPr>
-            <a:t>What a user can and cannot access</a:t>
+            <a:rPr lang="en-US" b="0" dirty="0"/>
+            <a:t>Defines The user's access rights and privileges</a:t>
           </a:r>
+          <a:endParaRPr lang="en-US" b="0" dirty="0">
+            <a:latin typeface="Times New Roman" panose="02020603050405020304" pitchFamily="18" charset="0"/>
+            <a:cs typeface="Times New Roman" panose="02020603050405020304" pitchFamily="18" charset="0"/>
+          </a:endParaRPr>
         </a:p>
       </dgm:t>
     </dgm:pt>
@@ -5736,7 +5760,7 @@
               <a:latin typeface="Times New Roman" panose="02020603050405020304" pitchFamily="18" charset="0"/>
               <a:cs typeface="Times New Roman" panose="02020603050405020304" pitchFamily="18" charset="0"/>
             </a:rPr>
-            <a:t>Accounting - The process of keeping track of activity while interacting with a system, showing timestamps, accessed resources, and data transfer information.</a:t>
+            <a:t>Accounting: Tracks and logs all user activities within the system</a:t>
           </a:r>
         </a:p>
       </dgm:t>
@@ -5775,7 +5799,7 @@
               <a:latin typeface="Times New Roman" panose="02020603050405020304" pitchFamily="18" charset="0"/>
               <a:cs typeface="Times New Roman" panose="02020603050405020304" pitchFamily="18" charset="0"/>
             </a:rPr>
-            <a:t>Bread crumb trail of activity.</a:t>
+            <a:t>Creates A detailed log (breadcrumb trail) of user actions, including timestamps and accessed resources.</a:t>
           </a:r>
         </a:p>
       </dgm:t>
@@ -7505,7 +7529,7 @@
             <a:buNone/>
           </a:pPr>
           <a:r>
-            <a:rPr lang="en-US" sz="1100" kern="1200">
+            <a:rPr lang="en-US" sz="1100" kern="1200" dirty="0">
               <a:latin typeface="Times New Roman" panose="02020603050405020304" pitchFamily="18" charset="0"/>
               <a:cs typeface="Times New Roman" panose="02020603050405020304" pitchFamily="18" charset="0"/>
             </a:rPr>
@@ -9569,12 +9593,12 @@
         <a:fontRef idx="minor"/>
       </dsp:style>
       <dsp:txBody>
-        <a:bodyPr spcFirstLastPara="0" vert="horz" wrap="square" lIns="102870" tIns="51435" rIns="102870" bIns="51435" numCol="1" spcCol="1270" anchor="ctr" anchorCtr="0">
+        <a:bodyPr spcFirstLastPara="0" vert="horz" wrap="square" lIns="72390" tIns="36195" rIns="72390" bIns="36195" numCol="1" spcCol="1270" anchor="ctr" anchorCtr="0">
           <a:noAutofit/>
         </a:bodyPr>
         <a:lstStyle/>
         <a:p>
-          <a:pPr marL="228600" lvl="1" indent="-228600" algn="l" defTabSz="1200150">
+          <a:pPr marL="171450" lvl="1" indent="-171450" algn="l" defTabSz="844550">
             <a:lnSpc>
               <a:spcPct val="90000"/>
             </a:lnSpc>
@@ -9587,11 +9611,11 @@
             <a:buChar char="•"/>
           </a:pPr>
           <a:r>
-            <a:rPr lang="en-US" sz="2700" kern="1200" dirty="0">
+            <a:rPr lang="en-US" sz="1900" kern="1200" dirty="0">
               <a:latin typeface="Times New Roman" panose="02020603050405020304" pitchFamily="18" charset="0"/>
               <a:cs typeface="Times New Roman" panose="02020603050405020304" pitchFamily="18" charset="0"/>
             </a:rPr>
-            <a:t>Ensure a person is who they claim to be.</a:t>
+            <a:t>Ensure a person is who they claim to be</a:t>
           </a:r>
         </a:p>
       </dsp:txBody>
@@ -9649,12 +9673,12 @@
         </a:fontRef>
       </dsp:style>
       <dsp:txBody>
-        <a:bodyPr spcFirstLastPara="0" vert="horz" wrap="square" lIns="57150" tIns="28575" rIns="57150" bIns="28575" numCol="1" spcCol="1270" anchor="ctr" anchorCtr="0">
+        <a:bodyPr spcFirstLastPara="0" vert="horz" wrap="square" lIns="64770" tIns="32385" rIns="64770" bIns="32385" numCol="1" spcCol="1270" anchor="ctr" anchorCtr="0">
           <a:noAutofit/>
         </a:bodyPr>
         <a:lstStyle/>
         <a:p>
-          <a:pPr marL="0" lvl="0" indent="0" algn="ctr" defTabSz="666750">
+          <a:pPr marL="0" lvl="0" indent="0" algn="ctr" defTabSz="755650">
             <a:lnSpc>
               <a:spcPct val="90000"/>
             </a:lnSpc>
@@ -9667,11 +9691,18 @@
             <a:buNone/>
           </a:pPr>
           <a:r>
-            <a:rPr lang="en-US" sz="1500" kern="1200" dirty="0">
+            <a:rPr lang="en-US" sz="1700" b="1" kern="1200" dirty="0">
               <a:latin typeface="Times New Roman" panose="02020603050405020304" pitchFamily="18" charset="0"/>
               <a:cs typeface="Times New Roman" panose="02020603050405020304" pitchFamily="18" charset="0"/>
             </a:rPr>
-            <a:t>Authentication - The act of confirming one’s identity. </a:t>
+            <a:t>Authentication</a:t>
+          </a:r>
+          <a:r>
+            <a:rPr lang="en-US" sz="1700" kern="1200" dirty="0">
+              <a:latin typeface="Times New Roman" panose="02020603050405020304" pitchFamily="18" charset="0"/>
+              <a:cs typeface="Times New Roman" panose="02020603050405020304" pitchFamily="18" charset="0"/>
+            </a:rPr>
+            <a:t>: Verifies the identity of a user</a:t>
           </a:r>
         </a:p>
       </dsp:txBody>
@@ -9731,12 +9762,12 @@
         <a:fontRef idx="minor"/>
       </dsp:style>
       <dsp:txBody>
-        <a:bodyPr spcFirstLastPara="0" vert="horz" wrap="square" lIns="102870" tIns="51435" rIns="102870" bIns="51435" numCol="1" spcCol="1270" anchor="ctr" anchorCtr="0">
+        <a:bodyPr spcFirstLastPara="0" vert="horz" wrap="square" lIns="72390" tIns="36195" rIns="72390" bIns="36195" numCol="1" spcCol="1270" anchor="ctr" anchorCtr="0">
           <a:noAutofit/>
         </a:bodyPr>
         <a:lstStyle/>
         <a:p>
-          <a:pPr marL="228600" lvl="1" indent="-228600" algn="l" defTabSz="1200150">
+          <a:pPr marL="171450" lvl="1" indent="-171450" algn="l" defTabSz="844550">
             <a:lnSpc>
               <a:spcPct val="90000"/>
             </a:lnSpc>
@@ -9749,12 +9780,13 @@
             <a:buChar char="•"/>
           </a:pPr>
           <a:r>
-            <a:rPr lang="en-US" sz="2700" kern="1200" dirty="0">
-              <a:latin typeface="Times New Roman" panose="02020603050405020304" pitchFamily="18" charset="0"/>
-              <a:cs typeface="Times New Roman" panose="02020603050405020304" pitchFamily="18" charset="0"/>
-            </a:rPr>
-            <a:t>What a user can and cannot access</a:t>
+            <a:rPr lang="en-US" sz="1900" b="0" kern="1200" dirty="0"/>
+            <a:t>Defines The user's access rights and privileges</a:t>
           </a:r>
+          <a:endParaRPr lang="en-US" sz="1900" b="0" kern="1200" dirty="0">
+            <a:latin typeface="Times New Roman" panose="02020603050405020304" pitchFamily="18" charset="0"/>
+            <a:cs typeface="Times New Roman" panose="02020603050405020304" pitchFamily="18" charset="0"/>
+          </a:endParaRPr>
         </a:p>
       </dsp:txBody>
       <dsp:txXfrm rot="-5400000">
@@ -9811,12 +9843,12 @@
         </a:fontRef>
       </dsp:style>
       <dsp:txBody>
-        <a:bodyPr spcFirstLastPara="0" vert="horz" wrap="square" lIns="57150" tIns="28575" rIns="57150" bIns="28575" numCol="1" spcCol="1270" anchor="ctr" anchorCtr="0">
+        <a:bodyPr spcFirstLastPara="0" vert="horz" wrap="square" lIns="64770" tIns="32385" rIns="64770" bIns="32385" numCol="1" spcCol="1270" anchor="ctr" anchorCtr="0">
           <a:noAutofit/>
         </a:bodyPr>
         <a:lstStyle/>
         <a:p>
-          <a:pPr marL="0" lvl="0" indent="0" algn="ctr" defTabSz="666750">
+          <a:pPr marL="0" lvl="0" indent="0" algn="ctr" defTabSz="755650">
             <a:lnSpc>
               <a:spcPct val="90000"/>
             </a:lnSpc>
@@ -9829,12 +9861,28 @@
             <a:buNone/>
           </a:pPr>
           <a:r>
-            <a:rPr lang="en-US" sz="1500" kern="1200" dirty="0">
+            <a:rPr lang="en-US" sz="1700" b="1" kern="1200" dirty="0"/>
+            <a:t>Authorization</a:t>
+          </a:r>
+          <a:r>
+            <a:rPr lang="en-US" sz="1700" kern="1200" dirty="0"/>
+            <a:t>: Determines what a user is </a:t>
+          </a:r>
+          <a:r>
+            <a:rPr lang="en-US" sz="1700" kern="1200" dirty="0">
               <a:latin typeface="Times New Roman" panose="02020603050405020304" pitchFamily="18" charset="0"/>
               <a:cs typeface="Times New Roman" panose="02020603050405020304" pitchFamily="18" charset="0"/>
             </a:rPr>
-            <a:t>Authorization - Specifies the access rights and privileges of a user and are an important part of information and computer security. </a:t>
+            <a:t>allowed</a:t>
           </a:r>
+          <a:r>
+            <a:rPr lang="en-US" sz="1700" kern="1200" dirty="0"/>
+            <a:t> to do within a system</a:t>
+          </a:r>
+          <a:endParaRPr lang="en-US" sz="1700" kern="1200" dirty="0">
+            <a:latin typeface="Times New Roman" panose="02020603050405020304" pitchFamily="18" charset="0"/>
+            <a:cs typeface="Times New Roman" panose="02020603050405020304" pitchFamily="18" charset="0"/>
+          </a:endParaRPr>
         </a:p>
       </dsp:txBody>
       <dsp:txXfrm>
@@ -9893,12 +9941,12 @@
         <a:fontRef idx="minor"/>
       </dsp:style>
       <dsp:txBody>
-        <a:bodyPr spcFirstLastPara="0" vert="horz" wrap="square" lIns="102870" tIns="51435" rIns="102870" bIns="51435" numCol="1" spcCol="1270" anchor="ctr" anchorCtr="0">
+        <a:bodyPr spcFirstLastPara="0" vert="horz" wrap="square" lIns="72390" tIns="36195" rIns="72390" bIns="36195" numCol="1" spcCol="1270" anchor="ctr" anchorCtr="0">
           <a:noAutofit/>
         </a:bodyPr>
         <a:lstStyle/>
         <a:p>
-          <a:pPr marL="228600" lvl="1" indent="-228600" algn="l" defTabSz="1200150">
+          <a:pPr marL="171450" lvl="1" indent="-171450" algn="l" defTabSz="844550">
             <a:lnSpc>
               <a:spcPct val="90000"/>
             </a:lnSpc>
@@ -9911,11 +9959,11 @@
             <a:buChar char="•"/>
           </a:pPr>
           <a:r>
-            <a:rPr lang="en-US" sz="2700" kern="1200" dirty="0">
+            <a:rPr lang="en-US" sz="1900" kern="1200" dirty="0">
               <a:latin typeface="Times New Roman" panose="02020603050405020304" pitchFamily="18" charset="0"/>
               <a:cs typeface="Times New Roman" panose="02020603050405020304" pitchFamily="18" charset="0"/>
             </a:rPr>
-            <a:t>Bread crumb trail of activity.</a:t>
+            <a:t>Creates A detailed log (breadcrumb trail) of user actions, including timestamps and accessed resources.</a:t>
           </a:r>
         </a:p>
       </dsp:txBody>
@@ -9973,12 +10021,12 @@
         </a:fontRef>
       </dsp:style>
       <dsp:txBody>
-        <a:bodyPr spcFirstLastPara="0" vert="horz" wrap="square" lIns="57150" tIns="28575" rIns="57150" bIns="28575" numCol="1" spcCol="1270" anchor="ctr" anchorCtr="0">
+        <a:bodyPr spcFirstLastPara="0" vert="horz" wrap="square" lIns="64770" tIns="32385" rIns="64770" bIns="32385" numCol="1" spcCol="1270" anchor="ctr" anchorCtr="0">
           <a:noAutofit/>
         </a:bodyPr>
         <a:lstStyle/>
         <a:p>
-          <a:pPr marL="0" lvl="0" indent="0" algn="ctr" defTabSz="666750">
+          <a:pPr marL="0" lvl="0" indent="0" algn="ctr" defTabSz="755650">
             <a:lnSpc>
               <a:spcPct val="90000"/>
             </a:lnSpc>
@@ -9991,11 +10039,11 @@
             <a:buNone/>
           </a:pPr>
           <a:r>
-            <a:rPr lang="en-US" sz="1500" kern="1200" dirty="0">
+            <a:rPr lang="en-US" sz="1700" kern="1200" dirty="0">
               <a:latin typeface="Times New Roman" panose="02020603050405020304" pitchFamily="18" charset="0"/>
               <a:cs typeface="Times New Roman" panose="02020603050405020304" pitchFamily="18" charset="0"/>
             </a:rPr>
-            <a:t>Accounting - The process of keeping track of activity while interacting with a system, showing timestamps, accessed resources, and data transfer information.</a:t>
+            <a:t>Accounting: Tracks and logs all user activities within the system</a:t>
           </a:r>
         </a:p>
       </dsp:txBody>
@@ -25431,7 +25479,7 @@
                 <a:latin typeface="Times New Roman" panose="02020603050405020304" pitchFamily="18" charset="0"/>
                 <a:cs typeface="Times New Roman" panose="02020603050405020304" pitchFamily="18" charset="0"/>
               </a:rPr>
-              <a:t>Test to verify an out-of-range exception is thrown when calling out of bounds.</a:t>
+              <a:t>This test is to verify an out-of-range exception is thrown when calling out of bounds.</a:t>
             </a:r>
           </a:p>
         </p:txBody>
@@ -27015,244 +27063,143 @@
           </a:bodyPr>
           <a:lstStyle/>
           <a:p>
-            <a:pPr marL="457200" lvl="1" indent="0" rtl="0">
-              <a:lnSpc>
-                <a:spcPct val="90000"/>
-              </a:lnSpc>
-              <a:spcBef>
-                <a:spcPts val="0"/>
-              </a:spcBef>
-              <a:buClr>
-                <a:schemeClr val="lt1"/>
-              </a:buClr>
-              <a:buSzPts val="2000"/>
-              <a:buNone/>
-            </a:pPr>
             <a:r>
-              <a:rPr lang="en-US" sz="1500" dirty="0">
-                <a:latin typeface="Times New Roman" panose="02020603050405020304" pitchFamily="18" charset="0"/>
-                <a:cs typeface="Times New Roman" panose="02020603050405020304" pitchFamily="18" charset="0"/>
-              </a:rPr>
-              <a:t>“</a:t>
-            </a:r>
-            <a:r>
-              <a:rPr lang="en-US" sz="1500" dirty="0" err="1">
+              <a:rPr lang="en-US" sz="1600" b="1" dirty="0" err="1">
                 <a:latin typeface="Times New Roman" panose="02020603050405020304" pitchFamily="18" charset="0"/>
                 <a:cs typeface="Times New Roman" panose="02020603050405020304" pitchFamily="18" charset="0"/>
               </a:rPr>
               <a:t>DevSecOps</a:t>
             </a:r>
             <a:r>
-              <a:rPr lang="en-US" sz="1500" dirty="0">
+              <a:rPr lang="en-US" sz="1600" dirty="0">
                 <a:latin typeface="Times New Roman" panose="02020603050405020304" pitchFamily="18" charset="0"/>
                 <a:cs typeface="Times New Roman" panose="02020603050405020304" pitchFamily="18" charset="0"/>
               </a:rPr>
-              <a:t> means thinking about application and infrastructure security from the start.”</a:t>
+              <a:t> means incorporating application and infrastructure security from the beginning of the development process.</a:t>
             </a:r>
           </a:p>
           <a:p>
-            <a:pPr marL="457200" lvl="1" indent="0" rtl="0">
-              <a:lnSpc>
-                <a:spcPct val="90000"/>
-              </a:lnSpc>
-              <a:spcBef>
-                <a:spcPts val="0"/>
-              </a:spcBef>
-              <a:buClr>
-                <a:schemeClr val="lt1"/>
-              </a:buClr>
-              <a:buSzPts val="2000"/>
-              <a:buNone/>
-            </a:pPr>
-            <a:endParaRPr lang="en-US" sz="1500" dirty="0">
+            <a:r>
+              <a:rPr lang="en-US" sz="1600" b="1" dirty="0">
+                <a:latin typeface="Times New Roman" panose="02020603050405020304" pitchFamily="18" charset="0"/>
+                <a:cs typeface="Times New Roman" panose="02020603050405020304" pitchFamily="18" charset="0"/>
+              </a:rPr>
+              <a:t>Tools:</a:t>
+            </a:r>
+            <a:endParaRPr lang="en-US" sz="1600" dirty="0">
               <a:latin typeface="Times New Roman" panose="02020603050405020304" pitchFamily="18" charset="0"/>
               <a:cs typeface="Times New Roman" panose="02020603050405020304" pitchFamily="18" charset="0"/>
             </a:endParaRPr>
           </a:p>
           <a:p>
-            <a:pPr marL="457200" lvl="1" indent="0" rtl="0">
-              <a:lnSpc>
-                <a:spcPct val="90000"/>
-              </a:lnSpc>
-              <a:spcBef>
-                <a:spcPts val="0"/>
-              </a:spcBef>
-              <a:buClr>
-                <a:schemeClr val="lt1"/>
-              </a:buClr>
-              <a:buSzPts val="2000"/>
-              <a:buNone/>
+            <a:pPr>
+              <a:buFont typeface="Arial" panose="020B0604020202020204" pitchFamily="34" charset="0"/>
+              <a:buChar char="•"/>
             </a:pPr>
             <a:r>
-              <a:rPr lang="en-US" sz="1500" dirty="0">
-                <a:latin typeface="Times New Roman" panose="02020603050405020304" pitchFamily="18" charset="0"/>
-                <a:cs typeface="Times New Roman" panose="02020603050405020304" pitchFamily="18" charset="0"/>
-              </a:rPr>
-              <a:t>RedHat.com</a:t>
-            </a:r>
-          </a:p>
-          <a:p>
-            <a:pPr marL="457200" lvl="1" indent="0" rtl="0">
-              <a:lnSpc>
-                <a:spcPct val="90000"/>
-              </a:lnSpc>
-              <a:spcBef>
-                <a:spcPts val="0"/>
-              </a:spcBef>
-              <a:buClr>
-                <a:schemeClr val="lt1"/>
-              </a:buClr>
-              <a:buSzPts val="2000"/>
-              <a:buNone/>
-            </a:pPr>
-            <a:r>
-              <a:rPr lang="en-US" sz="1500" dirty="0" err="1">
+              <a:rPr lang="en-US" sz="1600" b="1" dirty="0" err="1">
                 <a:latin typeface="Times New Roman" panose="02020603050405020304" pitchFamily="18" charset="0"/>
                 <a:cs typeface="Times New Roman" panose="02020603050405020304" pitchFamily="18" charset="0"/>
               </a:rPr>
               <a:t>CPPCheck</a:t>
             </a:r>
             <a:r>
-              <a:rPr lang="en-US" sz="1500" dirty="0">
+              <a:rPr lang="en-US" sz="1600" b="1" dirty="0">
                 <a:latin typeface="Times New Roman" panose="02020603050405020304" pitchFamily="18" charset="0"/>
                 <a:cs typeface="Times New Roman" panose="02020603050405020304" pitchFamily="18" charset="0"/>
               </a:rPr>
-              <a:t>: static code analysis (</a:t>
+              <a:t>:</a:t>
             </a:r>
             <a:r>
-              <a:rPr lang="en-US" sz="1500" dirty="0">
+              <a:rPr lang="en-US" sz="1600" dirty="0">
+                <a:latin typeface="Times New Roman" panose="02020603050405020304" pitchFamily="18" charset="0"/>
+                <a:cs typeface="Times New Roman" panose="02020603050405020304" pitchFamily="18" charset="0"/>
+              </a:rPr>
+              <a:t> A static code analysis tool that helps identify potential issues and improve code quality. </a:t>
+            </a:r>
+            <a:r>
+              <a:rPr lang="en-US" sz="1600" dirty="0">
                 <a:latin typeface="Times New Roman" panose="02020603050405020304" pitchFamily="18" charset="0"/>
                 <a:cs typeface="Times New Roman" panose="02020603050405020304" pitchFamily="18" charset="0"/>
                 <a:hlinkClick r:id="rId5"/>
               </a:rPr>
-              <a:t>https://cppcheck.sourceforge.io/</a:t>
+              <a:t>Learn more</a:t>
             </a:r>
-            <a:r>
-              <a:rPr lang="en-US" sz="1500" dirty="0">
-                <a:latin typeface="Times New Roman" panose="02020603050405020304" pitchFamily="18" charset="0"/>
-                <a:cs typeface="Times New Roman" panose="02020603050405020304" pitchFamily="18" charset="0"/>
-              </a:rPr>
-              <a:t>) </a:t>
-            </a:r>
-          </a:p>
-          <a:p>
-            <a:pPr marL="457200" lvl="1" indent="0" rtl="0">
-              <a:lnSpc>
-                <a:spcPct val="90000"/>
-              </a:lnSpc>
-              <a:spcBef>
-                <a:spcPts val="0"/>
-              </a:spcBef>
-              <a:buClr>
-                <a:schemeClr val="lt1"/>
-              </a:buClr>
-              <a:buSzPts val="2000"/>
-              <a:buNone/>
-            </a:pPr>
-            <a:endParaRPr lang="en-US" sz="1500" dirty="0">
+            <a:endParaRPr lang="en-US" sz="1600" dirty="0">
               <a:latin typeface="Times New Roman" panose="02020603050405020304" pitchFamily="18" charset="0"/>
               <a:cs typeface="Times New Roman" panose="02020603050405020304" pitchFamily="18" charset="0"/>
             </a:endParaRPr>
           </a:p>
           <a:p>
-            <a:pPr marL="457200" lvl="1" indent="0" rtl="0">
-              <a:lnSpc>
-                <a:spcPct val="90000"/>
-              </a:lnSpc>
-              <a:spcBef>
-                <a:spcPts val="0"/>
-              </a:spcBef>
-              <a:buClr>
-                <a:schemeClr val="lt1"/>
-              </a:buClr>
-              <a:buSzPts val="2000"/>
-              <a:buNone/>
+            <a:pPr>
+              <a:buFont typeface="Arial" panose="020B0604020202020204" pitchFamily="34" charset="0"/>
+              <a:buChar char="•"/>
             </a:pPr>
             <a:r>
-              <a:rPr lang="en-US" sz="1500" dirty="0">
+              <a:rPr lang="en-US" sz="1600" b="1" dirty="0">
                 <a:latin typeface="Times New Roman" panose="02020603050405020304" pitchFamily="18" charset="0"/>
                 <a:cs typeface="Times New Roman" panose="02020603050405020304" pitchFamily="18" charset="0"/>
               </a:rPr>
-              <a:t>Clang: front-end compiler (</a:t>
+              <a:t>Clang:</a:t>
             </a:r>
             <a:r>
-              <a:rPr lang="en-US" sz="1500" dirty="0">
+              <a:rPr lang="en-US" sz="1600" dirty="0">
+                <a:latin typeface="Times New Roman" panose="02020603050405020304" pitchFamily="18" charset="0"/>
+                <a:cs typeface="Times New Roman" panose="02020603050405020304" pitchFamily="18" charset="0"/>
+              </a:rPr>
+              <a:t> A front-end compiler for the LLVM project that provides a modern, modular compiler infrastructure. </a:t>
+            </a:r>
+            <a:r>
+              <a:rPr lang="en-US" sz="1600" dirty="0">
                 <a:latin typeface="Times New Roman" panose="02020603050405020304" pitchFamily="18" charset="0"/>
                 <a:cs typeface="Times New Roman" panose="02020603050405020304" pitchFamily="18" charset="0"/>
                 <a:hlinkClick r:id="rId6"/>
               </a:rPr>
-              <a:t>https://clang.llvm.org/</a:t>
+              <a:t>Learn more</a:t>
             </a:r>
-            <a:r>
-              <a:rPr lang="en-US" sz="1500" dirty="0">
-                <a:latin typeface="Times New Roman" panose="02020603050405020304" pitchFamily="18" charset="0"/>
-                <a:cs typeface="Times New Roman" panose="02020603050405020304" pitchFamily="18" charset="0"/>
-              </a:rPr>
-              <a:t>)</a:t>
-            </a:r>
-          </a:p>
-          <a:p>
-            <a:pPr marL="457200" lvl="1" indent="0" rtl="0">
-              <a:lnSpc>
-                <a:spcPct val="90000"/>
-              </a:lnSpc>
-              <a:spcBef>
-                <a:spcPts val="0"/>
-              </a:spcBef>
-              <a:buClr>
-                <a:schemeClr val="lt1"/>
-              </a:buClr>
-              <a:buSzPts val="2000"/>
-              <a:buNone/>
-            </a:pPr>
-            <a:endParaRPr lang="en-US" sz="1500" dirty="0">
+            <a:endParaRPr lang="en-US" sz="1600" dirty="0">
               <a:latin typeface="Times New Roman" panose="02020603050405020304" pitchFamily="18" charset="0"/>
               <a:cs typeface="Times New Roman" panose="02020603050405020304" pitchFamily="18" charset="0"/>
             </a:endParaRPr>
           </a:p>
           <a:p>
-            <a:pPr marL="457200" lvl="1" indent="0" rtl="0">
-              <a:lnSpc>
-                <a:spcPct val="90000"/>
-              </a:lnSpc>
-              <a:spcBef>
-                <a:spcPts val="0"/>
-              </a:spcBef>
-              <a:buClr>
-                <a:schemeClr val="lt1"/>
-              </a:buClr>
-              <a:buSzPts val="2000"/>
-              <a:buNone/>
+            <a:pPr>
+              <a:buFont typeface="Arial" panose="020B0604020202020204" pitchFamily="34" charset="0"/>
+              <a:buChar char="•"/>
             </a:pPr>
             <a:r>
-              <a:rPr lang="en-US" sz="1500" dirty="0" err="1">
+              <a:rPr lang="en-US" sz="1600" b="1" dirty="0" err="1">
                 <a:latin typeface="Times New Roman" panose="02020603050405020304" pitchFamily="18" charset="0"/>
                 <a:cs typeface="Times New Roman" panose="02020603050405020304" pitchFamily="18" charset="0"/>
               </a:rPr>
               <a:t>Parasoft</a:t>
             </a:r>
             <a:r>
-              <a:rPr lang="en-US" sz="1500" dirty="0">
+              <a:rPr lang="en-US" sz="1600" b="1" dirty="0">
                 <a:latin typeface="Times New Roman" panose="02020603050405020304" pitchFamily="18" charset="0"/>
                 <a:cs typeface="Times New Roman" panose="02020603050405020304" pitchFamily="18" charset="0"/>
               </a:rPr>
-              <a:t>: automated testing suite (</a:t>
+              <a:t>:</a:t>
             </a:r>
             <a:r>
-              <a:rPr lang="en-US" sz="1500" dirty="0">
+              <a:rPr lang="en-US" sz="1600" dirty="0">
+                <a:latin typeface="Times New Roman" panose="02020603050405020304" pitchFamily="18" charset="0"/>
+                <a:cs typeface="Times New Roman" panose="02020603050405020304" pitchFamily="18" charset="0"/>
+              </a:rPr>
+              <a:t> An automated testing suite that offers comprehensive testing capabilities to ensure software quality and compliance. </a:t>
+            </a:r>
+            <a:r>
+              <a:rPr lang="en-US" sz="1600" dirty="0">
                 <a:latin typeface="Times New Roman" panose="02020603050405020304" pitchFamily="18" charset="0"/>
                 <a:cs typeface="Times New Roman" panose="02020603050405020304" pitchFamily="18" charset="0"/>
                 <a:hlinkClick r:id="rId7"/>
               </a:rPr>
-              <a:t>https://www.parasoft.com/</a:t>
+              <a:t>Learn more</a:t>
             </a:r>
-            <a:r>
-              <a:rPr lang="en-US" sz="1500" dirty="0">
-                <a:latin typeface="Times New Roman" panose="02020603050405020304" pitchFamily="18" charset="0"/>
-                <a:cs typeface="Times New Roman" panose="02020603050405020304" pitchFamily="18" charset="0"/>
-              </a:rPr>
-              <a:t>)</a:t>
-            </a:r>
+            <a:endParaRPr lang="en-US" sz="1600" dirty="0">
+              <a:latin typeface="Times New Roman" panose="02020603050405020304" pitchFamily="18" charset="0"/>
+              <a:cs typeface="Times New Roman" panose="02020603050405020304" pitchFamily="18" charset="0"/>
+            </a:endParaRPr>
           </a:p>
           <a:p>
             <a:pPr marL="457200" lvl="1" indent="0" rtl="0">
@@ -28091,113 +28038,80 @@
         </p:spPr>
         <p:txBody>
           <a:bodyPr spcFirstLastPara="1" lIns="91425" tIns="45700" rIns="91425" bIns="45700" anchorCtr="0">
-            <a:normAutofit/>
+            <a:normAutofit fontScale="85000" lnSpcReduction="10000"/>
           </a:bodyPr>
           <a:lstStyle/>
           <a:p>
-            <a:pPr marL="914400" lvl="2" indent="0" rtl="0">
-              <a:spcBef>
-                <a:spcPts val="0"/>
-              </a:spcBef>
-              <a:spcAft>
-                <a:spcPts val="0"/>
-              </a:spcAft>
-              <a:buClr>
-                <a:schemeClr val="lt1"/>
-              </a:buClr>
-              <a:buSzPts val="1800"/>
-              <a:buNone/>
-            </a:pPr>
             <a:r>
-              <a:rPr lang="en-US" dirty="0">
+              <a:rPr lang="en-US" b="1" dirty="0">
                 <a:latin typeface="Times New Roman" panose="02020603050405020304" pitchFamily="18" charset="0"/>
                 <a:cs typeface="Times New Roman" panose="02020603050405020304" pitchFamily="18" charset="0"/>
               </a:rPr>
               <a:t>Possible Gaps in Security Policy:</a:t>
             </a:r>
-          </a:p>
-          <a:p>
-            <a:pPr marL="914400" lvl="2" indent="0" rtl="0">
-              <a:spcBef>
-                <a:spcPts val="0"/>
-              </a:spcBef>
-              <a:spcAft>
-                <a:spcPts val="0"/>
-              </a:spcAft>
-              <a:buClr>
-                <a:schemeClr val="lt1"/>
-              </a:buClr>
-              <a:buSzPts val="1800"/>
-              <a:buNone/>
-            </a:pPr>
             <a:endParaRPr lang="en-US" dirty="0">
               <a:latin typeface="Times New Roman" panose="02020603050405020304" pitchFamily="18" charset="0"/>
               <a:cs typeface="Times New Roman" panose="02020603050405020304" pitchFamily="18" charset="0"/>
             </a:endParaRPr>
           </a:p>
           <a:p>
-            <a:pPr marL="1657350" lvl="3" indent="-285750">
-              <a:spcBef>
-                <a:spcPts val="0"/>
-              </a:spcBef>
+            <a:pPr>
+              <a:buFont typeface="+mj-lt"/>
+              <a:buAutoNum type="arabicPeriod"/>
             </a:pPr>
+            <a:r>
+              <a:rPr lang="en-US" b="1" dirty="0">
+                <a:latin typeface="Times New Roman" panose="02020603050405020304" pitchFamily="18" charset="0"/>
+                <a:cs typeface="Times New Roman" panose="02020603050405020304" pitchFamily="18" charset="0"/>
+              </a:rPr>
+              <a:t>Ongoing Review and Update:</a:t>
+            </a:r>
             <a:r>
               <a:rPr lang="en-US" dirty="0">
                 <a:latin typeface="Times New Roman" panose="02020603050405020304" pitchFamily="18" charset="0"/>
                 <a:cs typeface="Times New Roman" panose="02020603050405020304" pitchFamily="18" charset="0"/>
               </a:rPr>
-              <a:t>Policy is a solid foundation. Should be subject to regular reviews and updates, or as gaps are identified.</a:t>
+              <a:t> While the policy provides a solid foundation, it should be regularly reviewed and updated to address emerging threats and gaps. Regular revisions ensure that the policy remains relevant and effective.</a:t>
             </a:r>
           </a:p>
           <a:p>
-            <a:pPr marL="1371600" lvl="3" indent="0">
-              <a:spcBef>
-                <a:spcPts val="0"/>
-              </a:spcBef>
-              <a:buNone/>
+            <a:pPr>
+              <a:buFont typeface="+mj-lt"/>
+              <a:buAutoNum type="arabicPeriod"/>
             </a:pPr>
-            <a:endParaRPr lang="en-US" dirty="0">
-              <a:latin typeface="Times New Roman" panose="02020603050405020304" pitchFamily="18" charset="0"/>
-              <a:cs typeface="Times New Roman" panose="02020603050405020304" pitchFamily="18" charset="0"/>
-            </a:endParaRPr>
-          </a:p>
-          <a:p>
-            <a:pPr marL="1657350" lvl="3" indent="-285750">
-              <a:spcBef>
-                <a:spcPts val="0"/>
-              </a:spcBef>
-            </a:pPr>
+            <a:r>
+              <a:rPr lang="en-US" b="1" dirty="0">
+                <a:latin typeface="Times New Roman" panose="02020603050405020304" pitchFamily="18" charset="0"/>
+                <a:cs typeface="Times New Roman" panose="02020603050405020304" pitchFamily="18" charset="0"/>
+              </a:rPr>
+              <a:t>External Audits:</a:t>
+            </a:r>
             <a:r>
               <a:rPr lang="en-US" dirty="0">
                 <a:latin typeface="Times New Roman" panose="02020603050405020304" pitchFamily="18" charset="0"/>
                 <a:cs typeface="Times New Roman" panose="02020603050405020304" pitchFamily="18" charset="0"/>
               </a:rPr>
-              <a:t>Annual checks from an outside source, such as a white hat security firm, will help to give security a real-world test and find possible vulnerabilities.</a:t>
+              <a:t> Conducting annual security assessments by an external, reputable source—such as a white-hat security firm—can provide a real-world evaluation of the policy’s effectiveness and uncover potential vulnerabilities.</a:t>
             </a:r>
           </a:p>
           <a:p>
-            <a:pPr marL="1657350" lvl="3" indent="-285750">
-              <a:spcBef>
-                <a:spcPts val="0"/>
-              </a:spcBef>
+            <a:pPr>
+              <a:buFont typeface="+mj-lt"/>
+              <a:buAutoNum type="arabicPeriod"/>
             </a:pPr>
-            <a:endParaRPr lang="en-US" dirty="0">
-              <a:latin typeface="Times New Roman" panose="02020603050405020304" pitchFamily="18" charset="0"/>
-              <a:cs typeface="Times New Roman" panose="02020603050405020304" pitchFamily="18" charset="0"/>
-            </a:endParaRPr>
-          </a:p>
-          <a:p>
-            <a:pPr marL="1657350" lvl="3" indent="-285750">
-              <a:spcBef>
-                <a:spcPts val="0"/>
-              </a:spcBef>
-            </a:pPr>
+            <a:r>
+              <a:rPr lang="en-US" b="1" dirty="0">
+                <a:latin typeface="Times New Roman" panose="02020603050405020304" pitchFamily="18" charset="0"/>
+                <a:cs typeface="Times New Roman" panose="02020603050405020304" pitchFamily="18" charset="0"/>
+              </a:rPr>
+              <a:t>Early Integration:</a:t>
+            </a:r>
             <a:r>
               <a:rPr lang="en-US" dirty="0">
                 <a:latin typeface="Times New Roman" panose="02020603050405020304" pitchFamily="18" charset="0"/>
                 <a:cs typeface="Times New Roman" panose="02020603050405020304" pitchFamily="18" charset="0"/>
               </a:rPr>
-              <a:t>Early application of these policies will help to ensure security is consistently at the forefront of progress.</a:t>
+              <a:t> Implementing security policies early in the development and operational processes helps maintain a consistent focus on security and adapts to evolving challenges.</a:t>
             </a:r>
           </a:p>
         </p:txBody>
@@ -28687,30 +28601,20 @@
           </a:bodyPr>
           <a:lstStyle/>
           <a:p>
-            <a:pPr marL="0" lvl="0" indent="0" rtl="0">
-              <a:spcBef>
-                <a:spcPts val="0"/>
-              </a:spcBef>
-              <a:buClr>
-                <a:schemeClr val="lt1"/>
-              </a:buClr>
-              <a:buSzPts val="2200"/>
-              <a:buNone/>
-            </a:pPr>
             <a:r>
-              <a:rPr lang="en-US" sz="1800" dirty="0">
+              <a:rPr lang="en-US" sz="1600" dirty="0">
                 <a:solidFill>
-                  <a:srgbClr val="0F496F"/>
+                  <a:schemeClr val="tx1"/>
                 </a:solidFill>
                 <a:latin typeface="Times New Roman" panose="02020603050405020304" pitchFamily="18" charset="0"/>
                 <a:cs typeface="Times New Roman" panose="02020603050405020304" pitchFamily="18" charset="0"/>
               </a:rPr>
-              <a:t>Adopting best practices and coding standards, defense in depth, constant consideration to motive of potential attack, and keeping a “no one is safe” attitude towards security and prevention throughout development will help to transform DevOps into </a:t>
+              <a:t>Adopting best practices and coding standards, implementing defense in depth, continually assessing the motives of potential attackers, and maintaining a “no one is safe” mindset towards security throughout development will help transform DevOps into </a:t>
             </a:r>
             <a:r>
-              <a:rPr lang="en-US" sz="1800" dirty="0" err="1">
+              <a:rPr lang="en-US" sz="1600" dirty="0" err="1">
                 <a:solidFill>
-                  <a:srgbClr val="0F496F"/>
+                  <a:schemeClr val="tx1"/>
                 </a:solidFill>
                 <a:latin typeface="Times New Roman" panose="02020603050405020304" pitchFamily="18" charset="0"/>
                 <a:cs typeface="Times New Roman" panose="02020603050405020304" pitchFamily="18" charset="0"/>
@@ -28718,9 +28622,9 @@
               <a:t>DevSecOps</a:t>
             </a:r>
             <a:r>
-              <a:rPr lang="en-US" sz="1800" dirty="0">
+              <a:rPr lang="en-US" sz="1600" dirty="0">
                 <a:solidFill>
-                  <a:srgbClr val="0F496F"/>
+                  <a:schemeClr val="tx1"/>
                 </a:solidFill>
                 <a:latin typeface="Times New Roman" panose="02020603050405020304" pitchFamily="18" charset="0"/>
                 <a:cs typeface="Times New Roman" panose="02020603050405020304" pitchFamily="18" charset="0"/>
@@ -29156,8 +29060,8 @@
         </p:nvSpPr>
         <p:spPr>
           <a:xfrm>
-            <a:off x="4325696" y="733647"/>
-            <a:ext cx="6593129" cy="3575884"/>
+            <a:off x="3943559" y="817929"/>
+            <a:ext cx="7249199" cy="5167233"/>
           </a:xfrm>
           <a:prstGeom prst="rect">
             <a:avLst/>
@@ -29169,297 +29073,314 @@
           </a:bodyPr>
           <a:lstStyle/>
           <a:p>
-            <a:pPr marL="0" indent="-457200">
-              <a:lnSpc>
-                <a:spcPct val="90000"/>
-              </a:lnSpc>
-              <a:spcBef>
-                <a:spcPts val="0"/>
-              </a:spcBef>
-              <a:spcAft>
-                <a:spcPts val="600"/>
-              </a:spcAft>
-              <a:buSzPts val="2200"/>
-              <a:buNone/>
+            <a:pPr>
+              <a:buFont typeface="+mj-lt"/>
+              <a:buAutoNum type="arabicPeriod"/>
             </a:pPr>
             <a:r>
-              <a:rPr lang="en-US" sz="1200" dirty="0" err="1">
+              <a:rPr lang="en-US" sz="1800" dirty="0" err="1">
+                <a:solidFill>
+                  <a:schemeClr val="bg1"/>
+                </a:solidFill>
                 <a:latin typeface="Times New Roman" panose="02020603050405020304" pitchFamily="18" charset="0"/>
                 <a:cs typeface="Times New Roman" panose="02020603050405020304" pitchFamily="18" charset="0"/>
               </a:rPr>
               <a:t>Argintaru</a:t>
             </a:r>
             <a:r>
-              <a:rPr lang="en-US" sz="1200" dirty="0">
+              <a:rPr lang="en-US" sz="1800" dirty="0">
+                <a:solidFill>
+                  <a:schemeClr val="bg1"/>
+                </a:solidFill>
                 <a:latin typeface="Times New Roman" panose="02020603050405020304" pitchFamily="18" charset="0"/>
                 <a:cs typeface="Times New Roman" panose="02020603050405020304" pitchFamily="18" charset="0"/>
               </a:rPr>
-              <a:t>, D. (2021). Data Encryption: How to Protect Data in Transit, Data in Use and Data at Rest. Mimecast.com. </a:t>
+              <a:t>, D. (2021). </a:t>
             </a:r>
             <a:r>
-              <a:rPr lang="en-US" sz="1200" dirty="0">
+              <a:rPr lang="en-US" sz="1800" i="1" dirty="0">
+                <a:solidFill>
+                  <a:schemeClr val="bg1"/>
+                </a:solidFill>
                 <a:latin typeface="Times New Roman" panose="02020603050405020304" pitchFamily="18" charset="0"/>
                 <a:cs typeface="Times New Roman" panose="02020603050405020304" pitchFamily="18" charset="0"/>
-                <a:hlinkClick r:id="rId5"/>
               </a:rPr>
-              <a:t>https://www.mimecast.com/blog/data-in-transit-vs-motion-vs-rest/</a:t>
+              <a:t>Data Encryption: How to Protect Data in Transit, Data in Use and Data at Rest</a:t>
             </a:r>
-            <a:endParaRPr lang="en-US" sz="1200" dirty="0">
+            <a:r>
+              <a:rPr lang="en-US" sz="1800" dirty="0">
+                <a:solidFill>
+                  <a:schemeClr val="bg1"/>
+                </a:solidFill>
+                <a:latin typeface="Times New Roman" panose="02020603050405020304" pitchFamily="18" charset="0"/>
+                <a:cs typeface="Times New Roman" panose="02020603050405020304" pitchFamily="18" charset="0"/>
+              </a:rPr>
+              <a:t>. Mimecast. </a:t>
+            </a:r>
+            <a:r>
+              <a:rPr lang="en-US" sz="1800" dirty="0">
+                <a:solidFill>
+                  <a:schemeClr val="bg1"/>
+                </a:solidFill>
+                <a:latin typeface="Times New Roman" panose="02020603050405020304" pitchFamily="18" charset="0"/>
+                <a:cs typeface="Times New Roman" panose="02020603050405020304" pitchFamily="18" charset="0"/>
+                <a:hlinkClick r:id="rId5">
+                  <a:extLst>
+                    <a:ext uri="{A12FA001-AC4F-418D-AE19-62706E023703}">
+                      <ahyp:hlinkClr xmlns:ahyp="http://schemas.microsoft.com/office/drawing/2018/hyperlinkcolor" val="tx"/>
+                    </a:ext>
+                  </a:extLst>
+                </a:hlinkClick>
+              </a:rPr>
+              <a:t>Read more</a:t>
+            </a:r>
+            <a:endParaRPr lang="en-US" sz="1800" dirty="0">
+              <a:solidFill>
+                <a:schemeClr val="bg1"/>
+              </a:solidFill>
               <a:latin typeface="Times New Roman" panose="02020603050405020304" pitchFamily="18" charset="0"/>
               <a:cs typeface="Times New Roman" panose="02020603050405020304" pitchFamily="18" charset="0"/>
             </a:endParaRPr>
           </a:p>
           <a:p>
-            <a:pPr marL="0" indent="-457200">
-              <a:lnSpc>
-                <a:spcPct val="90000"/>
-              </a:lnSpc>
-              <a:spcBef>
-                <a:spcPts val="0"/>
-              </a:spcBef>
-              <a:spcAft>
-                <a:spcPts val="600"/>
-              </a:spcAft>
-              <a:buSzPts val="2200"/>
-              <a:buNone/>
-            </a:pPr>
-            <a:endParaRPr lang="en-US" sz="1200" dirty="0">
-              <a:latin typeface="Times New Roman" panose="02020603050405020304" pitchFamily="18" charset="0"/>
-              <a:cs typeface="Times New Roman" panose="02020603050405020304" pitchFamily="18" charset="0"/>
-            </a:endParaRPr>
-          </a:p>
-          <a:p>
-            <a:pPr marL="0" indent="-457200">
-              <a:lnSpc>
-                <a:spcPct val="90000"/>
-              </a:lnSpc>
-              <a:spcBef>
-                <a:spcPts val="0"/>
-              </a:spcBef>
-              <a:spcAft>
-                <a:spcPts val="600"/>
-              </a:spcAft>
-              <a:buSzPts val="2200"/>
-              <a:buNone/>
+            <a:pPr>
+              <a:buFont typeface="+mj-lt"/>
+              <a:buAutoNum type="arabicPeriod"/>
             </a:pPr>
             <a:r>
-              <a:rPr lang="en-US" sz="1200" dirty="0">
+              <a:rPr lang="en-US" sz="1800" dirty="0">
+                <a:solidFill>
+                  <a:schemeClr val="bg1"/>
+                </a:solidFill>
                 <a:latin typeface="Times New Roman" panose="02020603050405020304" pitchFamily="18" charset="0"/>
                 <a:cs typeface="Times New Roman" panose="02020603050405020304" pitchFamily="18" charset="0"/>
               </a:rPr>
               <a:t>Authentication, Authorization, Accounting and Identity Management. (2018, April 3). CCSI. </a:t>
             </a:r>
             <a:r>
-              <a:rPr lang="en-US" sz="1200" dirty="0">
+              <a:rPr lang="en-US" sz="1800" dirty="0">
+                <a:solidFill>
+                  <a:schemeClr val="bg1"/>
+                </a:solidFill>
                 <a:latin typeface="Times New Roman" panose="02020603050405020304" pitchFamily="18" charset="0"/>
                 <a:cs typeface="Times New Roman" panose="02020603050405020304" pitchFamily="18" charset="0"/>
-                <a:hlinkClick r:id="rId6"/>
+                <a:hlinkClick r:id="rId6">
+                  <a:extLst>
+                    <a:ext uri="{A12FA001-AC4F-418D-AE19-62706E023703}">
+                      <ahyp:hlinkClr xmlns:ahyp="http://schemas.microsoft.com/office/drawing/2018/hyperlinkcolor" val="tx"/>
+                    </a:ext>
+                  </a:extLst>
+                </a:hlinkClick>
               </a:rPr>
-              <a:t>https://www.ccsinet.com/blog/aaa-identity-management/</a:t>
+              <a:t>Read more</a:t>
+            </a:r>
+            <a:endParaRPr lang="en-US" sz="1800" dirty="0">
+              <a:solidFill>
+                <a:schemeClr val="bg1"/>
+              </a:solidFill>
+              <a:latin typeface="Times New Roman" panose="02020603050405020304" pitchFamily="18" charset="0"/>
+              <a:cs typeface="Times New Roman" panose="02020603050405020304" pitchFamily="18" charset="0"/>
+            </a:endParaRPr>
+          </a:p>
+          <a:p>
+            <a:pPr>
+              <a:buFont typeface="+mj-lt"/>
+              <a:buAutoNum type="arabicPeriod"/>
+            </a:pPr>
+            <a:r>
+              <a:rPr lang="en-US" sz="1800" dirty="0">
+                <a:solidFill>
+                  <a:schemeClr val="bg1"/>
+                </a:solidFill>
+                <a:latin typeface="Times New Roman" panose="02020603050405020304" pitchFamily="18" charset="0"/>
+                <a:cs typeface="Times New Roman" panose="02020603050405020304" pitchFamily="18" charset="0"/>
+              </a:rPr>
+              <a:t>Fogg, E. (2021, May 11). </a:t>
             </a:r>
             <a:r>
-              <a:rPr lang="en-US" sz="1200" dirty="0">
+              <a:rPr lang="en-US" sz="1800" i="1" dirty="0">
+                <a:solidFill>
+                  <a:schemeClr val="bg1"/>
+                </a:solidFill>
+                <a:latin typeface="Times New Roman" panose="02020603050405020304" pitchFamily="18" charset="0"/>
+                <a:cs typeface="Times New Roman" panose="02020603050405020304" pitchFamily="18" charset="0"/>
+              </a:rPr>
+              <a:t>What Can and Should be Automated in Software Development?</a:t>
+            </a:r>
+            <a:r>
+              <a:rPr lang="en-US" sz="1800" dirty="0">
+                <a:solidFill>
+                  <a:schemeClr val="bg1"/>
+                </a:solidFill>
                 <a:latin typeface="Times New Roman" panose="02020603050405020304" pitchFamily="18" charset="0"/>
                 <a:cs typeface="Times New Roman" panose="02020603050405020304" pitchFamily="18" charset="0"/>
               </a:rPr>
               <a:t> </a:t>
             </a:r>
-          </a:p>
-          <a:p>
-            <a:pPr marL="0" indent="-457200">
-              <a:lnSpc>
-                <a:spcPct val="90000"/>
-              </a:lnSpc>
-              <a:spcBef>
-                <a:spcPts val="0"/>
-              </a:spcBef>
-              <a:spcAft>
-                <a:spcPts val="600"/>
-              </a:spcAft>
-              <a:buSzPts val="2200"/>
-              <a:buNone/>
-            </a:pPr>
-            <a:endParaRPr lang="en-US" sz="1200" dirty="0">
-              <a:latin typeface="Times New Roman" panose="02020603050405020304" pitchFamily="18" charset="0"/>
-              <a:cs typeface="Times New Roman" panose="02020603050405020304" pitchFamily="18" charset="0"/>
-            </a:endParaRPr>
-          </a:p>
-          <a:p>
-            <a:pPr marL="0" indent="-457200">
-              <a:lnSpc>
-                <a:spcPct val="90000"/>
-              </a:lnSpc>
-              <a:spcBef>
-                <a:spcPts val="0"/>
-              </a:spcBef>
-              <a:spcAft>
-                <a:spcPts val="600"/>
-              </a:spcAft>
-              <a:buSzPts val="2200"/>
-              <a:buNone/>
-            </a:pPr>
             <a:r>
-              <a:rPr lang="en-US" sz="1200" dirty="0">
-                <a:latin typeface="Times New Roman" panose="02020603050405020304" pitchFamily="18" charset="0"/>
-                <a:cs typeface="Times New Roman" panose="02020603050405020304" pitchFamily="18" charset="0"/>
-              </a:rPr>
-              <a:t>Fogg, E. (2021, May 11). What Can and Should be Automated in Software Development? </a:t>
-            </a:r>
-            <a:r>
-              <a:rPr lang="en-US" sz="1200" dirty="0" err="1">
+              <a:rPr lang="en-US" sz="1800" dirty="0" err="1">
+                <a:solidFill>
+                  <a:schemeClr val="bg1"/>
+                </a:solidFill>
                 <a:latin typeface="Times New Roman" panose="02020603050405020304" pitchFamily="18" charset="0"/>
                 <a:cs typeface="Times New Roman" panose="02020603050405020304" pitchFamily="18" charset="0"/>
               </a:rPr>
               <a:t>ProdPerfect</a:t>
             </a:r>
             <a:r>
-              <a:rPr lang="en-US" sz="1200" dirty="0">
+              <a:rPr lang="en-US" sz="1800" dirty="0">
+                <a:solidFill>
+                  <a:schemeClr val="bg1"/>
+                </a:solidFill>
                 <a:latin typeface="Times New Roman" panose="02020603050405020304" pitchFamily="18" charset="0"/>
                 <a:cs typeface="Times New Roman" panose="02020603050405020304" pitchFamily="18" charset="0"/>
               </a:rPr>
               <a:t>. </a:t>
             </a:r>
             <a:r>
-              <a:rPr lang="en-US" sz="1200" dirty="0">
+              <a:rPr lang="en-US" sz="1800" dirty="0">
+                <a:solidFill>
+                  <a:schemeClr val="bg1"/>
+                </a:solidFill>
                 <a:latin typeface="Times New Roman" panose="02020603050405020304" pitchFamily="18" charset="0"/>
                 <a:cs typeface="Times New Roman" panose="02020603050405020304" pitchFamily="18" charset="0"/>
-                <a:hlinkClick r:id="rId7"/>
+                <a:hlinkClick r:id="rId7">
+                  <a:extLst>
+                    <a:ext uri="{A12FA001-AC4F-418D-AE19-62706E023703}">
+                      <ahyp:hlinkClr xmlns:ahyp="http://schemas.microsoft.com/office/drawing/2018/hyperlinkcolor" val="tx"/>
+                    </a:ext>
+                  </a:extLst>
+                </a:hlinkClick>
               </a:rPr>
-              <a:t>https://prodperfect.com/blog/test-development/automated-software-development/#:~:text=Automating%20part%20of%20your%20application’s,quality%20of%20your%20test%20suite</a:t>
+              <a:t>Read more</a:t>
             </a:r>
-            <a:r>
-              <a:rPr lang="en-US" sz="1200" dirty="0">
-                <a:latin typeface="Times New Roman" panose="02020603050405020304" pitchFamily="18" charset="0"/>
-                <a:cs typeface="Times New Roman" panose="02020603050405020304" pitchFamily="18" charset="0"/>
-              </a:rPr>
-              <a:t> </a:t>
-            </a:r>
-          </a:p>
-          <a:p>
-            <a:pPr marL="0" indent="-457200">
-              <a:lnSpc>
-                <a:spcPct val="90000"/>
-              </a:lnSpc>
-              <a:spcBef>
-                <a:spcPts val="0"/>
-              </a:spcBef>
-              <a:spcAft>
-                <a:spcPts val="600"/>
-              </a:spcAft>
-              <a:buSzPts val="2200"/>
-              <a:buNone/>
-            </a:pPr>
-            <a:endParaRPr lang="en-US" sz="1200" dirty="0">
+            <a:endParaRPr lang="en-US" sz="1800" dirty="0">
+              <a:solidFill>
+                <a:schemeClr val="bg1"/>
+              </a:solidFill>
               <a:latin typeface="Times New Roman" panose="02020603050405020304" pitchFamily="18" charset="0"/>
               <a:cs typeface="Times New Roman" panose="02020603050405020304" pitchFamily="18" charset="0"/>
             </a:endParaRPr>
           </a:p>
           <a:p>
-            <a:pPr marL="0" indent="-457200">
-              <a:lnSpc>
-                <a:spcPct val="90000"/>
-              </a:lnSpc>
-              <a:spcBef>
-                <a:spcPts val="0"/>
-              </a:spcBef>
-              <a:spcAft>
-                <a:spcPts val="600"/>
-              </a:spcAft>
-              <a:buSzPts val="2200"/>
-              <a:buNone/>
+            <a:pPr>
+              <a:buFont typeface="+mj-lt"/>
+              <a:buAutoNum type="arabicPeriod"/>
             </a:pPr>
             <a:r>
-              <a:rPr lang="en-US" sz="1200" dirty="0">
+              <a:rPr lang="en-US" sz="1800" dirty="0">
+                <a:solidFill>
+                  <a:schemeClr val="bg1"/>
+                </a:solidFill>
                 <a:latin typeface="Times New Roman" panose="02020603050405020304" pitchFamily="18" charset="0"/>
                 <a:cs typeface="Times New Roman" panose="02020603050405020304" pitchFamily="18" charset="0"/>
               </a:rPr>
-              <a:t>Hill, M. (2021, July 16). The 15 biggest data breaches of the 21st century. CSO Online. </a:t>
+              <a:t>Hill, M. (2021, July 16). </a:t>
             </a:r>
             <a:r>
-              <a:rPr lang="en-US" sz="1200" dirty="0">
-                <a:latin typeface="Times New Roman" panose="02020603050405020304" pitchFamily="18" charset="0"/>
-                <a:cs typeface="Times New Roman" panose="02020603050405020304" pitchFamily="18" charset="0"/>
-                <a:hlinkClick r:id="rId8"/>
-              </a:rPr>
-              <a:t>https://www.csoonline.com/article/2130877/the-biggest-data-breaches-of-the-21st-century.html</a:t>
-            </a:r>
-            <a:r>
-              <a:rPr lang="en-US" sz="1200" dirty="0">
+              <a:rPr lang="en-US" sz="1800" i="1" dirty="0">
+                <a:solidFill>
+                  <a:schemeClr val="bg1"/>
+                </a:solidFill>
                 <a:latin typeface="Times New Roman" panose="02020603050405020304" pitchFamily="18" charset="0"/>
                 <a:cs typeface="Times New Roman" panose="02020603050405020304" pitchFamily="18" charset="0"/>
               </a:rPr>
-              <a:t> </a:t>
+              <a:t>The 15 Biggest Data Breaches of the 21st Century</a:t>
             </a:r>
-          </a:p>
-          <a:p>
-            <a:pPr marL="0" indent="-457200">
-              <a:lnSpc>
-                <a:spcPct val="90000"/>
-              </a:lnSpc>
-              <a:spcBef>
-                <a:spcPts val="0"/>
-              </a:spcBef>
-              <a:spcAft>
-                <a:spcPts val="600"/>
-              </a:spcAft>
-              <a:buSzPts val="2200"/>
-              <a:buNone/>
-            </a:pPr>
-            <a:endParaRPr lang="en-US" sz="1200" dirty="0">
+            <a:r>
+              <a:rPr lang="en-US" sz="1800" dirty="0">
+                <a:solidFill>
+                  <a:schemeClr val="bg1"/>
+                </a:solidFill>
+                <a:latin typeface="Times New Roman" panose="02020603050405020304" pitchFamily="18" charset="0"/>
+                <a:cs typeface="Times New Roman" panose="02020603050405020304" pitchFamily="18" charset="0"/>
+              </a:rPr>
+              <a:t>. CSO Online. </a:t>
+            </a:r>
+            <a:r>
+              <a:rPr lang="en-US" sz="1800" dirty="0">
+                <a:solidFill>
+                  <a:schemeClr val="bg1"/>
+                </a:solidFill>
+                <a:latin typeface="Times New Roman" panose="02020603050405020304" pitchFamily="18" charset="0"/>
+                <a:cs typeface="Times New Roman" panose="02020603050405020304" pitchFamily="18" charset="0"/>
+                <a:hlinkClick r:id="rId8">
+                  <a:extLst>
+                    <a:ext uri="{A12FA001-AC4F-418D-AE19-62706E023703}">
+                      <ahyp:hlinkClr xmlns:ahyp="http://schemas.microsoft.com/office/drawing/2018/hyperlinkcolor" val="tx"/>
+                    </a:ext>
+                  </a:extLst>
+                </a:hlinkClick>
+              </a:rPr>
+              <a:t>Read more</a:t>
+            </a:r>
+            <a:endParaRPr lang="en-US" sz="1800" dirty="0">
+              <a:solidFill>
+                <a:schemeClr val="bg1"/>
+              </a:solidFill>
               <a:latin typeface="Times New Roman" panose="02020603050405020304" pitchFamily="18" charset="0"/>
               <a:cs typeface="Times New Roman" panose="02020603050405020304" pitchFamily="18" charset="0"/>
             </a:endParaRPr>
           </a:p>
           <a:p>
-            <a:pPr marL="0" indent="-457200">
-              <a:lnSpc>
-                <a:spcPct val="90000"/>
-              </a:lnSpc>
-              <a:spcBef>
-                <a:spcPts val="0"/>
-              </a:spcBef>
-              <a:spcAft>
-                <a:spcPts val="600"/>
-              </a:spcAft>
-              <a:buSzPts val="2200"/>
-              <a:buNone/>
+            <a:pPr>
+              <a:buFont typeface="+mj-lt"/>
+              <a:buAutoNum type="arabicPeriod"/>
             </a:pPr>
             <a:r>
-              <a:rPr lang="en-US" sz="1200" dirty="0">
+              <a:rPr lang="en-US" sz="1800" dirty="0">
+                <a:solidFill>
+                  <a:schemeClr val="bg1"/>
+                </a:solidFill>
                 <a:latin typeface="Times New Roman" panose="02020603050405020304" pitchFamily="18" charset="0"/>
                 <a:cs typeface="Times New Roman" panose="02020603050405020304" pitchFamily="18" charset="0"/>
               </a:rPr>
               <a:t>What is </a:t>
             </a:r>
             <a:r>
-              <a:rPr lang="en-US" sz="1200" dirty="0" err="1">
+              <a:rPr lang="en-US" sz="1800" dirty="0" err="1">
+                <a:solidFill>
+                  <a:schemeClr val="bg1"/>
+                </a:solidFill>
                 <a:latin typeface="Times New Roman" panose="02020603050405020304" pitchFamily="18" charset="0"/>
                 <a:cs typeface="Times New Roman" panose="02020603050405020304" pitchFamily="18" charset="0"/>
               </a:rPr>
               <a:t>DevSecOps</a:t>
             </a:r>
             <a:r>
-              <a:rPr lang="en-US" sz="1200" dirty="0">
+              <a:rPr lang="en-US" sz="1800" dirty="0">
+                <a:solidFill>
+                  <a:schemeClr val="bg1"/>
+                </a:solidFill>
                 <a:latin typeface="Times New Roman" panose="02020603050405020304" pitchFamily="18" charset="0"/>
                 <a:cs typeface="Times New Roman" panose="02020603050405020304" pitchFamily="18" charset="0"/>
               </a:rPr>
-              <a:t>? (2021). Redhat.com. </a:t>
+              <a:t>? (2021). Red Hat. </a:t>
             </a:r>
             <a:r>
-              <a:rPr lang="en-US" sz="1200" dirty="0">
+              <a:rPr lang="en-US" sz="1800" dirty="0">
+                <a:solidFill>
+                  <a:schemeClr val="bg1"/>
+                </a:solidFill>
                 <a:latin typeface="Times New Roman" panose="02020603050405020304" pitchFamily="18" charset="0"/>
                 <a:cs typeface="Times New Roman" panose="02020603050405020304" pitchFamily="18" charset="0"/>
-                <a:hlinkClick r:id="rId9"/>
+                <a:hlinkClick r:id="rId9">
+                  <a:extLst>
+                    <a:ext uri="{A12FA001-AC4F-418D-AE19-62706E023703}">
+                      <ahyp:hlinkClr xmlns:ahyp="http://schemas.microsoft.com/office/drawing/2018/hyperlinkcolor" val="tx"/>
+                    </a:ext>
+                  </a:extLst>
+                </a:hlinkClick>
               </a:rPr>
-              <a:t>https://www.redhat.com/en/topics/devops/what-is-devsecops</a:t>
+              <a:t>Read more</a:t>
             </a:r>
-            <a:r>
-              <a:rPr lang="en-US" sz="1200" dirty="0">
-                <a:latin typeface="Times New Roman" panose="02020603050405020304" pitchFamily="18" charset="0"/>
-                <a:cs typeface="Times New Roman" panose="02020603050405020304" pitchFamily="18" charset="0"/>
-              </a:rPr>
-              <a:t> </a:t>
-            </a:r>
+            <a:endParaRPr lang="en-US" sz="1800" dirty="0">
+              <a:solidFill>
+                <a:schemeClr val="bg1"/>
+              </a:solidFill>
+              <a:latin typeface="Times New Roman" panose="02020603050405020304" pitchFamily="18" charset="0"/>
+              <a:cs typeface="Times New Roman" panose="02020603050405020304" pitchFamily="18" charset="0"/>
+            </a:endParaRPr>
           </a:p>
         </p:txBody>
       </p:sp>
@@ -29633,7 +29554,7 @@
                 <a:latin typeface="Times New Roman" panose="02020603050405020304" pitchFamily="18" charset="0"/>
                 <a:cs typeface="Times New Roman" panose="02020603050405020304" pitchFamily="18" charset="0"/>
               </a:rPr>
-              <a:t>Defense in depth is the approach to information security where security mechanisms are carefully and thoughtfully layered, in order to create a stronger protection against risk and possible vulnerabilities in a system.</a:t>
+              <a:t>Defense in depth is a security strategy that involves thoughtfully layering multiple defenses to provide comprehensive protection against risks and vulnerabilities in a system</a:t>
             </a:r>
           </a:p>
         </p:txBody>
@@ -34514,7 +34435,7 @@
             <p:ph idx="1"/>
             <p:extLst>
               <p:ext uri="{D42A27DB-BD31-4B8C-83A1-F6EECF244321}">
-                <p14:modId xmlns:p14="http://schemas.microsoft.com/office/powerpoint/2010/main" val="2756866975"/>
+                <p14:modId xmlns:p14="http://schemas.microsoft.com/office/powerpoint/2010/main" val="455141909"/>
               </p:ext>
             </p:extLst>
           </p:nvPr>
@@ -34768,24 +34689,8 @@
                 <a:latin typeface="Times New Roman" panose="02020603050405020304" pitchFamily="18" charset="0"/>
                 <a:cs typeface="Times New Roman" panose="02020603050405020304" pitchFamily="18" charset="0"/>
               </a:rPr>
-              <a:t>Unit testing – Verify and validate components of a program or application, in order to ensure the app will act and respond as intended.</a:t>
+              <a:t>Unit Testing: The process of verifying and validating individual components of a program or application to ensure they function and respond as intended.</a:t>
             </a:r>
-          </a:p>
-          <a:p>
-            <a:pPr marL="0" lvl="0" indent="0" rtl="0">
-              <a:spcBef>
-                <a:spcPts val="1000"/>
-              </a:spcBef>
-              <a:spcAft>
-                <a:spcPts val="0"/>
-              </a:spcAft>
-              <a:buSzPts val="1800"/>
-              <a:buNone/>
-            </a:pPr>
-            <a:endParaRPr lang="en-US" dirty="0">
-              <a:latin typeface="Times New Roman" panose="02020603050405020304" pitchFamily="18" charset="0"/>
-              <a:cs typeface="Times New Roman" panose="02020603050405020304" pitchFamily="18" charset="0"/>
-            </a:endParaRPr>
           </a:p>
           <a:p>
             <a:pPr marL="0" lvl="0" indent="0" rtl="0">
@@ -35641,7 +35546,7 @@
                 <a:latin typeface="Times New Roman" panose="02020603050405020304" pitchFamily="18" charset="0"/>
                 <a:cs typeface="Times New Roman" panose="02020603050405020304" pitchFamily="18" charset="0"/>
               </a:rPr>
-              <a:t>Test to verify max size is greater or equal to size for x number of entries.</a:t>
+              <a:t>This test is to verify max size is greater or equal to size for x number of entries.</a:t>
             </a:r>
           </a:p>
         </p:txBody>
@@ -36903,18 +36808,18 @@
 </file>
 
 <file path=customXml/item1.xml><?xml version="1.0" encoding="utf-8"?>
+<p:properties xmlns:p="http://schemas.microsoft.com/office/2006/metadata/properties" xmlns:xsi="http://www.w3.org/2001/XMLSchema-instance" xmlns:pc="http://schemas.microsoft.com/office/infopath/2007/PartnerControls">
+  <documentManagement/>
+</p:properties>
+</file>
+
+<file path=customXml/item2.xml><?xml version="1.0" encoding="utf-8"?>
 <?mso-contentType ?>
 <FormTemplates xmlns="http://schemas.microsoft.com/sharepoint/v3/contenttype/forms">
   <Display>DocumentLibraryForm</Display>
   <Edit>DocumentLibraryForm</Edit>
   <New>DocumentLibraryForm</New>
 </FormTemplates>
-</file>
-
-<file path=customXml/item2.xml><?xml version="1.0" encoding="utf-8"?>
-<p:properties xmlns:p="http://schemas.microsoft.com/office/2006/metadata/properties" xmlns:xsi="http://www.w3.org/2001/XMLSchema-instance" xmlns:pc="http://schemas.microsoft.com/office/infopath/2007/PartnerControls">
-  <documentManagement/>
-</p:properties>
 </file>
 
 <file path=customXml/item3.xml><?xml version="1.0" encoding="utf-8"?>
@@ -37032,14 +36937,6 @@
 </file>
 
 <file path=customXml/itemProps1.xml><?xml version="1.0" encoding="utf-8"?>
-<ds:datastoreItem xmlns:ds="http://schemas.openxmlformats.org/officeDocument/2006/customXml" ds:itemID="{F398236C-7FA9-40C9-B456-AA158A506A32}">
-  <ds:schemaRefs>
-    <ds:schemaRef ds:uri="http://schemas.microsoft.com/sharepoint/v3/contenttype/forms"/>
-  </ds:schemaRefs>
-</ds:datastoreItem>
-</file>
-
-<file path=customXml/itemProps2.xml><?xml version="1.0" encoding="utf-8"?>
 <ds:datastoreItem xmlns:ds="http://schemas.openxmlformats.org/officeDocument/2006/customXml" ds:itemID="{3E9B35DD-16B6-4415-A905-CDACA4FC6DBE}">
   <ds:schemaRefs>
     <ds:schemaRef ds:uri="http://schemas.openxmlformats.org/package/2006/metadata/core-properties"/>
@@ -37050,6 +36947,14 @@
     <ds:schemaRef ds:uri="http://schemas.microsoft.com/office/2006/metadata/properties"/>
     <ds:schemaRef ds:uri="http://schemas.microsoft.com/office/infopath/2007/PartnerControls"/>
     <ds:schemaRef ds:uri="http://purl.org/dc/terms/"/>
+  </ds:schemaRefs>
+</ds:datastoreItem>
+</file>
+
+<file path=customXml/itemProps2.xml><?xml version="1.0" encoding="utf-8"?>
+<ds:datastoreItem xmlns:ds="http://schemas.openxmlformats.org/officeDocument/2006/customXml" ds:itemID="{F398236C-7FA9-40C9-B456-AA158A506A32}">
+  <ds:schemaRefs>
+    <ds:schemaRef ds:uri="http://schemas.microsoft.com/sharepoint/v3/contenttype/forms"/>
   </ds:schemaRefs>
 </ds:datastoreItem>
 </file>
